--- a/Week1/course12.pptx
+++ b/Week1/course12.pptx
@@ -11,13 +11,10 @@
     <p:sldId id="259" r:id="rId5"/>
     <p:sldId id="261" r:id="rId6"/>
     <p:sldId id="260" r:id="rId7"/>
-    <p:sldId id="262" r:id="rId8"/>
-    <p:sldId id="263" r:id="rId9"/>
-    <p:sldId id="264" r:id="rId10"/>
-    <p:sldId id="265" r:id="rId11"/>
-    <p:sldId id="266" r:id="rId12"/>
-    <p:sldId id="267" r:id="rId13"/>
-    <p:sldId id="268" r:id="rId14"/>
+    <p:sldId id="264" r:id="rId8"/>
+    <p:sldId id="265" r:id="rId9"/>
+    <p:sldId id="263" r:id="rId10"/>
+    <p:sldId id="266" r:id="rId11"/>
   </p:sldIdLst>
   <p:sldSz cx="9144000" cy="6858000" type="screen4x3"/>
   <p:notesSz cx="6858000" cy="9144000"/>
@@ -300,7 +297,7 @@
           <a:p>
             <a:fld id="{9DFB402E-01F2-524E-9346-3269F73748AB}" type="datetimeFigureOut">
               <a:rPr kumimoji="1" lang="zh-CN" altLang="en-US" smtClean="0"/>
-              <a:t>11/12/15</a:t>
+              <a:t>11/19/15</a:t>
             </a:fld>
             <a:endParaRPr kumimoji="1" lang="zh-CN" altLang="en-US"/>
           </a:p>
@@ -470,7 +467,7 @@
           <a:p>
             <a:fld id="{9DFB402E-01F2-524E-9346-3269F73748AB}" type="datetimeFigureOut">
               <a:rPr kumimoji="1" lang="zh-CN" altLang="en-US" smtClean="0"/>
-              <a:t>11/12/15</a:t>
+              <a:t>11/19/15</a:t>
             </a:fld>
             <a:endParaRPr kumimoji="1" lang="zh-CN" altLang="en-US"/>
           </a:p>
@@ -650,7 +647,7 @@
           <a:p>
             <a:fld id="{9DFB402E-01F2-524E-9346-3269F73748AB}" type="datetimeFigureOut">
               <a:rPr kumimoji="1" lang="zh-CN" altLang="en-US" smtClean="0"/>
-              <a:t>11/12/15</a:t>
+              <a:t>11/19/15</a:t>
             </a:fld>
             <a:endParaRPr kumimoji="1" lang="zh-CN" altLang="en-US"/>
           </a:p>
@@ -820,7 +817,7 @@
           <a:p>
             <a:fld id="{9DFB402E-01F2-524E-9346-3269F73748AB}" type="datetimeFigureOut">
               <a:rPr kumimoji="1" lang="zh-CN" altLang="en-US" smtClean="0"/>
-              <a:t>11/12/15</a:t>
+              <a:t>11/19/15</a:t>
             </a:fld>
             <a:endParaRPr kumimoji="1" lang="zh-CN" altLang="en-US"/>
           </a:p>
@@ -1066,7 +1063,7 @@
           <a:p>
             <a:fld id="{9DFB402E-01F2-524E-9346-3269F73748AB}" type="datetimeFigureOut">
               <a:rPr kumimoji="1" lang="zh-CN" altLang="en-US" smtClean="0"/>
-              <a:t>11/12/15</a:t>
+              <a:t>11/19/15</a:t>
             </a:fld>
             <a:endParaRPr kumimoji="1" lang="zh-CN" altLang="en-US"/>
           </a:p>
@@ -1354,7 +1351,7 @@
           <a:p>
             <a:fld id="{9DFB402E-01F2-524E-9346-3269F73748AB}" type="datetimeFigureOut">
               <a:rPr kumimoji="1" lang="zh-CN" altLang="en-US" smtClean="0"/>
-              <a:t>11/12/15</a:t>
+              <a:t>11/19/15</a:t>
             </a:fld>
             <a:endParaRPr kumimoji="1" lang="zh-CN" altLang="en-US"/>
           </a:p>
@@ -1776,7 +1773,7 @@
           <a:p>
             <a:fld id="{9DFB402E-01F2-524E-9346-3269F73748AB}" type="datetimeFigureOut">
               <a:rPr kumimoji="1" lang="zh-CN" altLang="en-US" smtClean="0"/>
-              <a:t>11/12/15</a:t>
+              <a:t>11/19/15</a:t>
             </a:fld>
             <a:endParaRPr kumimoji="1" lang="zh-CN" altLang="en-US"/>
           </a:p>
@@ -1894,7 +1891,7 @@
           <a:p>
             <a:fld id="{9DFB402E-01F2-524E-9346-3269F73748AB}" type="datetimeFigureOut">
               <a:rPr kumimoji="1" lang="zh-CN" altLang="en-US" smtClean="0"/>
-              <a:t>11/12/15</a:t>
+              <a:t>11/19/15</a:t>
             </a:fld>
             <a:endParaRPr kumimoji="1" lang="zh-CN" altLang="en-US"/>
           </a:p>
@@ -1989,7 +1986,7 @@
           <a:p>
             <a:fld id="{9DFB402E-01F2-524E-9346-3269F73748AB}" type="datetimeFigureOut">
               <a:rPr kumimoji="1" lang="zh-CN" altLang="en-US" smtClean="0"/>
-              <a:t>11/12/15</a:t>
+              <a:t>11/19/15</a:t>
             </a:fld>
             <a:endParaRPr kumimoji="1" lang="zh-CN" altLang="en-US"/>
           </a:p>
@@ -2266,7 +2263,7 @@
           <a:p>
             <a:fld id="{9DFB402E-01F2-524E-9346-3269F73748AB}" type="datetimeFigureOut">
               <a:rPr kumimoji="1" lang="zh-CN" altLang="en-US" smtClean="0"/>
-              <a:t>11/12/15</a:t>
+              <a:t>11/19/15</a:t>
             </a:fld>
             <a:endParaRPr kumimoji="1" lang="zh-CN" altLang="en-US"/>
           </a:p>
@@ -2519,7 +2516,7 @@
           <a:p>
             <a:fld id="{9DFB402E-01F2-524E-9346-3269F73748AB}" type="datetimeFigureOut">
               <a:rPr kumimoji="1" lang="zh-CN" altLang="en-US" smtClean="0"/>
-              <a:t>11/12/15</a:t>
+              <a:t>11/19/15</a:t>
             </a:fld>
             <a:endParaRPr kumimoji="1" lang="zh-CN" altLang="en-US"/>
           </a:p>
@@ -2732,7 +2729,7 @@
           <a:p>
             <a:fld id="{9DFB402E-01F2-524E-9346-3269F73748AB}" type="datetimeFigureOut">
               <a:rPr kumimoji="1" lang="zh-CN" altLang="en-US" smtClean="0"/>
-              <a:t>11/12/15</a:t>
+              <a:t>11/19/15</a:t>
             </a:fld>
             <a:endParaRPr kumimoji="1" lang="zh-CN" altLang="en-US"/>
           </a:p>
@@ -3227,289 +3224,34 @@
           <a:chExt cx="0" cy="0"/>
         </a:xfrm>
       </p:grpSpPr>
-      <p:sp>
-        <p:nvSpPr>
-          <p:cNvPr id="2" name="标题 1"/>
-          <p:cNvSpPr>
-            <a:spLocks noGrp="1"/>
-          </p:cNvSpPr>
-          <p:nvPr>
-            <p:ph type="title"/>
-          </p:nvPr>
-        </p:nvSpPr>
-        <p:spPr/>
-        <p:txBody>
-          <a:bodyPr/>
-          <a:lstStyle/>
-          <a:p>
-            <a:r>
-              <a:rPr kumimoji="1" lang="zh-CN" altLang="en-US" dirty="0" smtClean="0"/>
-              <a:t>实例四</a:t>
-            </a:r>
-            <a:endParaRPr kumimoji="1" lang="zh-CN" altLang="en-US" dirty="0"/>
-          </a:p>
-        </p:txBody>
-      </p:sp>
-      <p:sp>
-        <p:nvSpPr>
-          <p:cNvPr id="3" name="内容占位符 2"/>
-          <p:cNvSpPr>
-            <a:spLocks noGrp="1"/>
-          </p:cNvSpPr>
-          <p:nvPr>
-            <p:ph idx="1"/>
-          </p:nvPr>
-        </p:nvSpPr>
-        <p:spPr/>
-        <p:txBody>
-          <a:bodyPr/>
-          <a:lstStyle/>
-          <a:p>
-            <a:r>
-              <a:rPr kumimoji="1" lang="zh-CN" altLang="en-US" dirty="0" smtClean="0"/>
-              <a:t>代理和协议</a:t>
-            </a:r>
-            <a:endParaRPr kumimoji="1" lang="en-US" altLang="zh-CN" dirty="0" smtClean="0"/>
-          </a:p>
-          <a:p>
-            <a:r>
-              <a:rPr kumimoji="1" lang="zh-CN" altLang="en-US" dirty="0" smtClean="0"/>
-              <a:t>定义一个地铁对像的协议</a:t>
-            </a:r>
-            <a:endParaRPr kumimoji="1" lang="zh-CN" altLang="en-US" dirty="0"/>
-          </a:p>
-        </p:txBody>
-      </p:sp>
+      <p:pic>
+        <p:nvPicPr>
+          <p:cNvPr id="4" name="图片 3"/>
+          <p:cNvPicPr>
+            <a:picLocks noChangeAspect="1"/>
+          </p:cNvPicPr>
+          <p:nvPr/>
+        </p:nvPicPr>
+        <p:blipFill>
+          <a:blip r:embed="rId2"/>
+          <a:stretch>
+            <a:fillRect/>
+          </a:stretch>
+        </p:blipFill>
+        <p:spPr>
+          <a:xfrm>
+            <a:off x="3264965" y="494943"/>
+            <a:ext cx="3038167" cy="5401186"/>
+          </a:xfrm>
+          <a:prstGeom prst="rect">
+            <a:avLst/>
+          </a:prstGeom>
+        </p:spPr>
+      </p:pic>
     </p:spTree>
     <p:extLst>
       <p:ext uri="{BB962C8B-B14F-4D97-AF65-F5344CB8AC3E}">
-        <p14:creationId xmlns:p14="http://schemas.microsoft.com/office/powerpoint/2010/main" val="22571440"/>
-      </p:ext>
-    </p:extLst>
-  </p:cSld>
-  <p:clrMapOvr>
-    <a:masterClrMapping/>
-  </p:clrMapOvr>
-</p:sld>
-</file>
-
-<file path=ppt/slides/slide11.xml><?xml version="1.0" encoding="utf-8"?>
-<p:sld xmlns:a="http://schemas.openxmlformats.org/drawingml/2006/main" xmlns:r="http://schemas.openxmlformats.org/officeDocument/2006/relationships" xmlns:p="http://schemas.openxmlformats.org/presentationml/2006/main">
-  <p:cSld>
-    <p:spTree>
-      <p:nvGrpSpPr>
-        <p:cNvPr id="1" name=""/>
-        <p:cNvGrpSpPr/>
-        <p:nvPr/>
-      </p:nvGrpSpPr>
-      <p:grpSpPr>
-        <a:xfrm>
-          <a:off x="0" y="0"/>
-          <a:ext cx="0" cy="0"/>
-          <a:chOff x="0" y="0"/>
-          <a:chExt cx="0" cy="0"/>
-        </a:xfrm>
-      </p:grpSpPr>
-      <p:sp>
-        <p:nvSpPr>
-          <p:cNvPr id="2" name="标题 1"/>
-          <p:cNvSpPr>
-            <a:spLocks noGrp="1"/>
-          </p:cNvSpPr>
-          <p:nvPr>
-            <p:ph type="title"/>
-          </p:nvPr>
-        </p:nvSpPr>
-        <p:spPr/>
-        <p:txBody>
-          <a:bodyPr/>
-          <a:lstStyle/>
-          <a:p>
-            <a:r>
-              <a:rPr kumimoji="1" lang="en-US" altLang="zh-CN" dirty="0" err="1" smtClean="0"/>
-              <a:t>Nsnotifation</a:t>
-            </a:r>
-            <a:r>
-              <a:rPr kumimoji="1" lang="en-US" altLang="zh-CN" dirty="0" smtClean="0"/>
-              <a:t>	</a:t>
-            </a:r>
-            <a:endParaRPr kumimoji="1" lang="zh-CN" altLang="en-US" dirty="0"/>
-          </a:p>
-        </p:txBody>
-      </p:sp>
-      <p:sp>
-        <p:nvSpPr>
-          <p:cNvPr id="3" name="内容占位符 2"/>
-          <p:cNvSpPr>
-            <a:spLocks noGrp="1"/>
-          </p:cNvSpPr>
-          <p:nvPr>
-            <p:ph idx="1"/>
-          </p:nvPr>
-        </p:nvSpPr>
-        <p:spPr/>
-        <p:txBody>
-          <a:bodyPr/>
-          <a:lstStyle/>
-          <a:p>
-            <a:endParaRPr kumimoji="1" lang="zh-CN" altLang="en-US"/>
-          </a:p>
-        </p:txBody>
-      </p:sp>
-    </p:spTree>
-    <p:extLst>
-      <p:ext uri="{BB962C8B-B14F-4D97-AF65-F5344CB8AC3E}">
-        <p14:creationId xmlns:p14="http://schemas.microsoft.com/office/powerpoint/2010/main" val="1042066286"/>
-      </p:ext>
-    </p:extLst>
-  </p:cSld>
-  <p:clrMapOvr>
-    <a:masterClrMapping/>
-  </p:clrMapOvr>
-</p:sld>
-</file>
-
-<file path=ppt/slides/slide12.xml><?xml version="1.0" encoding="utf-8"?>
-<p:sld xmlns:a="http://schemas.openxmlformats.org/drawingml/2006/main" xmlns:r="http://schemas.openxmlformats.org/officeDocument/2006/relationships" xmlns:p="http://schemas.openxmlformats.org/presentationml/2006/main">
-  <p:cSld>
-    <p:spTree>
-      <p:nvGrpSpPr>
-        <p:cNvPr id="1" name=""/>
-        <p:cNvGrpSpPr/>
-        <p:nvPr/>
-      </p:nvGrpSpPr>
-      <p:grpSpPr>
-        <a:xfrm>
-          <a:off x="0" y="0"/>
-          <a:ext cx="0" cy="0"/>
-          <a:chOff x="0" y="0"/>
-          <a:chExt cx="0" cy="0"/>
-        </a:xfrm>
-      </p:grpSpPr>
-      <p:sp>
-        <p:nvSpPr>
-          <p:cNvPr id="2" name="标题 1"/>
-          <p:cNvSpPr>
-            <a:spLocks noGrp="1"/>
-          </p:cNvSpPr>
-          <p:nvPr>
-            <p:ph type="title"/>
-          </p:nvPr>
-        </p:nvSpPr>
-        <p:spPr/>
-        <p:txBody>
-          <a:bodyPr/>
-          <a:lstStyle/>
-          <a:p>
-            <a:r>
-              <a:rPr kumimoji="1" lang="en-US" altLang="zh-CN" dirty="0" smtClean="0"/>
-              <a:t>Block</a:t>
-            </a:r>
-            <a:endParaRPr kumimoji="1" lang="zh-CN" altLang="en-US" dirty="0"/>
-          </a:p>
-        </p:txBody>
-      </p:sp>
-      <p:sp>
-        <p:nvSpPr>
-          <p:cNvPr id="3" name="内容占位符 2"/>
-          <p:cNvSpPr>
-            <a:spLocks noGrp="1"/>
-          </p:cNvSpPr>
-          <p:nvPr>
-            <p:ph idx="1"/>
-          </p:nvPr>
-        </p:nvSpPr>
-        <p:spPr/>
-        <p:txBody>
-          <a:bodyPr/>
-          <a:lstStyle/>
-          <a:p>
-            <a:endParaRPr kumimoji="1" lang="zh-CN" altLang="en-US"/>
-          </a:p>
-        </p:txBody>
-      </p:sp>
-    </p:spTree>
-    <p:extLst>
-      <p:ext uri="{BB962C8B-B14F-4D97-AF65-F5344CB8AC3E}">
-        <p14:creationId xmlns:p14="http://schemas.microsoft.com/office/powerpoint/2010/main" val="675716176"/>
-      </p:ext>
-    </p:extLst>
-  </p:cSld>
-  <p:clrMapOvr>
-    <a:masterClrMapping/>
-  </p:clrMapOvr>
-</p:sld>
-</file>
-
-<file path=ppt/slides/slide13.xml><?xml version="1.0" encoding="utf-8"?>
-<p:sld xmlns:a="http://schemas.openxmlformats.org/drawingml/2006/main" xmlns:r="http://schemas.openxmlformats.org/officeDocument/2006/relationships" xmlns:p="http://schemas.openxmlformats.org/presentationml/2006/main">
-  <p:cSld>
-    <p:spTree>
-      <p:nvGrpSpPr>
-        <p:cNvPr id="1" name=""/>
-        <p:cNvGrpSpPr/>
-        <p:nvPr/>
-      </p:nvGrpSpPr>
-      <p:grpSpPr>
-        <a:xfrm>
-          <a:off x="0" y="0"/>
-          <a:ext cx="0" cy="0"/>
-          <a:chOff x="0" y="0"/>
-          <a:chExt cx="0" cy="0"/>
-        </a:xfrm>
-      </p:grpSpPr>
-      <p:sp>
-        <p:nvSpPr>
-          <p:cNvPr id="2" name="标题 1"/>
-          <p:cNvSpPr>
-            <a:spLocks noGrp="1"/>
-          </p:cNvSpPr>
-          <p:nvPr>
-            <p:ph type="title"/>
-          </p:nvPr>
-        </p:nvSpPr>
-        <p:spPr/>
-        <p:txBody>
-          <a:bodyPr>
-            <a:normAutofit/>
-          </a:bodyPr>
-          <a:lstStyle/>
-          <a:p>
-            <a:r>
-              <a:rPr kumimoji="1" lang="en-US" altLang="zh-CN" dirty="0" err="1" smtClean="0"/>
-              <a:t>Coredata</a:t>
-            </a:r>
-            <a:endParaRPr kumimoji="1" lang="zh-CN" altLang="en-US" dirty="0"/>
-          </a:p>
-        </p:txBody>
-      </p:sp>
-      <p:sp>
-        <p:nvSpPr>
-          <p:cNvPr id="3" name="内容占位符 2"/>
-          <p:cNvSpPr>
-            <a:spLocks noGrp="1"/>
-          </p:cNvSpPr>
-          <p:nvPr>
-            <p:ph idx="1"/>
-          </p:nvPr>
-        </p:nvSpPr>
-        <p:spPr/>
-        <p:txBody>
-          <a:bodyPr/>
-          <a:lstStyle/>
-          <a:p>
-            <a:r>
-              <a:rPr kumimoji="1" lang="zh-CN" altLang="en-US" dirty="0" smtClean="0"/>
-              <a:t>怎么保存图片</a:t>
-            </a:r>
-            <a:endParaRPr kumimoji="1" lang="zh-CN" altLang="en-US" dirty="0"/>
-          </a:p>
-        </p:txBody>
-      </p:sp>
-    </p:spTree>
-    <p:extLst>
-      <p:ext uri="{BB962C8B-B14F-4D97-AF65-F5344CB8AC3E}">
-        <p14:creationId xmlns:p14="http://schemas.microsoft.com/office/powerpoint/2010/main" val="1633678002"/>
+        <p14:creationId xmlns:p14="http://schemas.microsoft.com/office/powerpoint/2010/main" val="4109506828"/>
       </p:ext>
     </p:extLst>
   </p:cSld>
@@ -4272,12 +4014,20 @@
           <a:lstStyle/>
           <a:p>
             <a:r>
+              <a:rPr kumimoji="1" lang="zh-CN" altLang="en-US" dirty="0" smtClean="0"/>
+              <a:t>实例一</a:t>
+            </a:r>
+            <a:r>
+              <a:rPr kumimoji="1" lang="en-US" altLang="zh-CN" dirty="0" smtClean="0"/>
+              <a:t>(</a:t>
+            </a:r>
+            <a:r>
               <a:rPr kumimoji="1" lang="en-US" altLang="zh-CN" dirty="0" err="1" smtClean="0"/>
-              <a:t>gitHub</a:t>
-            </a:r>
-            <a:r>
-              <a:rPr kumimoji="1" lang="zh-CN" altLang="en-US" dirty="0" smtClean="0"/>
-              <a:t>随堂测试</a:t>
+              <a:t>storyBoard</a:t>
+            </a:r>
+            <a:r>
+              <a:rPr kumimoji="1" lang="en-US" altLang="zh-CN" dirty="0" smtClean="0"/>
+              <a:t>)</a:t>
             </a:r>
             <a:endParaRPr kumimoji="1" lang="zh-CN" altLang="en-US" dirty="0"/>
           </a:p>
@@ -4298,18 +4048,150 @@
           <a:bodyPr/>
           <a:lstStyle/>
           <a:p>
-            <a:r>
-              <a:rPr kumimoji="1" lang="zh-CN" altLang="en-US" dirty="0" smtClean="0"/>
-              <a:t>把上次的实例训练的第一题</a:t>
+            <a:pPr marL="0" indent="0">
+              <a:buNone/>
+            </a:pPr>
+            <a:r>
+              <a:rPr kumimoji="1" lang="zh-CN" altLang="en-US" dirty="0" smtClean="0"/>
+              <a:t>目标：使用</a:t>
+            </a:r>
+            <a:r>
+              <a:rPr kumimoji="1" lang="en-US" altLang="zh-CN" dirty="0" err="1" smtClean="0"/>
+              <a:t>storyboad</a:t>
+            </a:r>
+            <a:r>
+              <a:rPr kumimoji="1" lang="zh-CN" altLang="en-US" dirty="0" smtClean="0"/>
+              <a:t>建立一个</a:t>
             </a:r>
             <a:r>
               <a:rPr kumimoji="1" lang="en-US" altLang="zh-CN" dirty="0" smtClean="0"/>
-              <a:t>pull requests</a:t>
-            </a:r>
-            <a:r>
-              <a:rPr kumimoji="1" lang="zh-CN" altLang="en-US" dirty="0" smtClean="0"/>
-              <a:t>到指定文件夹</a:t>
-            </a:r>
+              <a:t>segue</a:t>
+            </a:r>
+            <a:r>
+              <a:rPr kumimoji="1" lang="zh-CN" altLang="en-US" dirty="0" smtClean="0"/>
+              <a:t>（就是</a:t>
+            </a:r>
+            <a:r>
+              <a:rPr kumimoji="1" lang="en-US" altLang="zh-CN" dirty="0" smtClean="0"/>
+              <a:t>Push</a:t>
+            </a:r>
+            <a:r>
+              <a:rPr kumimoji="1" lang="zh-CN" altLang="en-US" dirty="0" smtClean="0"/>
+              <a:t>到另一个</a:t>
+            </a:r>
+            <a:r>
+              <a:rPr kumimoji="1" lang="en-US" altLang="zh-CN" dirty="0" err="1" smtClean="0"/>
+              <a:t>viewController</a:t>
+            </a:r>
+            <a:r>
+              <a:rPr kumimoji="1" lang="en-US" altLang="zh-CN" dirty="0" smtClean="0"/>
+              <a:t>),</a:t>
+            </a:r>
+            <a:r>
+              <a:rPr kumimoji="1" lang="zh-CN" altLang="en-US" dirty="0"/>
+              <a:t>并用一个</a:t>
+            </a:r>
+            <a:r>
+              <a:rPr kumimoji="1" lang="en-US" altLang="zh-CN" dirty="0" err="1"/>
+              <a:t>UILabel</a:t>
+            </a:r>
+            <a:r>
+              <a:rPr kumimoji="1" lang="zh-CN" altLang="en-US" dirty="0"/>
+              <a:t>显示</a:t>
+            </a:r>
+            <a:r>
+              <a:rPr kumimoji="1" lang="en-US" altLang="zh-CN" dirty="0"/>
+              <a:t>Push</a:t>
+            </a:r>
+            <a:r>
+              <a:rPr kumimoji="1" lang="zh-CN" altLang="en-US" dirty="0"/>
+              <a:t>的</a:t>
+            </a:r>
+            <a:r>
+              <a:rPr kumimoji="1" lang="zh-CN" altLang="en-US" dirty="0" smtClean="0"/>
+              <a:t>次数</a:t>
+            </a:r>
+            <a:endParaRPr kumimoji="1" lang="en-US" altLang="zh-CN" dirty="0" smtClean="0"/>
+          </a:p>
+          <a:p>
+            <a:pPr marL="0" indent="0">
+              <a:buNone/>
+            </a:pPr>
+            <a:r>
+              <a:rPr kumimoji="1" lang="zh-CN" altLang="en-US" dirty="0" smtClean="0"/>
+              <a:t>提示：在</a:t>
+            </a:r>
+            <a:r>
+              <a:rPr kumimoji="1" lang="en-US" altLang="zh-CN" dirty="0" err="1" smtClean="0"/>
+              <a:t>UINavigationController</a:t>
+            </a:r>
+            <a:r>
+              <a:rPr kumimoji="1" lang="zh-CN" altLang="en-US" dirty="0" smtClean="0"/>
+              <a:t>的</a:t>
+            </a:r>
+            <a:r>
+              <a:rPr kumimoji="1" lang="en-US" altLang="zh-CN" dirty="0" err="1" smtClean="0"/>
+              <a:t>rootController</a:t>
+            </a:r>
+            <a:r>
+              <a:rPr kumimoji="1" lang="zh-CN" altLang="en-US" dirty="0" smtClean="0"/>
+              <a:t>建立一个</a:t>
+            </a:r>
+            <a:r>
+              <a:rPr kumimoji="1" lang="en-US" altLang="zh-CN" dirty="0" err="1" smtClean="0"/>
+              <a:t>Uibutton</a:t>
+            </a:r>
+            <a:r>
+              <a:rPr kumimoji="1" lang="zh-CN" altLang="en-US" dirty="0" smtClean="0"/>
+              <a:t>和</a:t>
+            </a:r>
+            <a:r>
+              <a:rPr kumimoji="1" lang="en-US" altLang="zh-CN" dirty="0" err="1" smtClean="0"/>
+              <a:t>UIlabel</a:t>
+            </a:r>
+            <a:r>
+              <a:rPr kumimoji="1" lang="zh-CN" altLang="en-US" dirty="0" smtClean="0"/>
+              <a:t>，点击</a:t>
+            </a:r>
+            <a:r>
+              <a:rPr kumimoji="1" lang="en-US" altLang="zh-CN" dirty="0" smtClean="0"/>
+              <a:t>button</a:t>
+            </a:r>
+            <a:r>
+              <a:rPr kumimoji="1" lang="zh-CN" altLang="en-US" dirty="0" smtClean="0"/>
+              <a:t>可以</a:t>
+            </a:r>
+            <a:r>
+              <a:rPr kumimoji="1" lang="en-US" altLang="zh-CN" dirty="0" smtClean="0"/>
+              <a:t>push</a:t>
+            </a:r>
+            <a:r>
+              <a:rPr kumimoji="1" lang="zh-CN" altLang="en-US" dirty="0" smtClean="0"/>
+              <a:t>到别一个</a:t>
+            </a:r>
+            <a:r>
+              <a:rPr kumimoji="1" lang="en-US" altLang="zh-CN" dirty="0" err="1" smtClean="0"/>
+              <a:t>ViewController</a:t>
+            </a:r>
+            <a:r>
+              <a:rPr kumimoji="1" lang="en-US" altLang="zh-CN" dirty="0" smtClean="0"/>
+              <a:t>.</a:t>
+            </a:r>
+            <a:r>
+              <a:rPr kumimoji="1" lang="zh-CN" altLang="en-US" dirty="0" smtClean="0"/>
+              <a:t>，并在</a:t>
+            </a:r>
+            <a:r>
+              <a:rPr kumimoji="1" lang="en-US" altLang="zh-CN" dirty="0" err="1" smtClean="0"/>
+              <a:t>UILabel</a:t>
+            </a:r>
+            <a:r>
+              <a:rPr kumimoji="1" lang="zh-CN" altLang="en-US" dirty="0" smtClean="0"/>
+              <a:t>上显示</a:t>
+            </a:r>
+            <a:endParaRPr kumimoji="1" lang="en-US" altLang="zh-CN" dirty="0" smtClean="0"/>
+          </a:p>
+          <a:p>
             <a:endParaRPr kumimoji="1" lang="zh-CN" altLang="en-US" dirty="0"/>
           </a:p>
         </p:txBody>
@@ -4317,7 +4199,7 @@
     </p:spTree>
     <p:extLst>
       <p:ext uri="{BB962C8B-B14F-4D97-AF65-F5344CB8AC3E}">
-        <p14:creationId xmlns:p14="http://schemas.microsoft.com/office/powerpoint/2010/main" val="1670607588"/>
+        <p14:creationId xmlns:p14="http://schemas.microsoft.com/office/powerpoint/2010/main" val="1744243224"/>
       </p:ext>
     </p:extLst>
   </p:cSld>
@@ -4344,56 +4226,34 @@
           <a:chExt cx="0" cy="0"/>
         </a:xfrm>
       </p:grpSpPr>
-      <p:sp>
-        <p:nvSpPr>
-          <p:cNvPr id="2" name="标题 1"/>
-          <p:cNvSpPr>
-            <a:spLocks noGrp="1"/>
-          </p:cNvSpPr>
-          <p:nvPr>
-            <p:ph type="title"/>
-          </p:nvPr>
-        </p:nvSpPr>
-        <p:spPr/>
-        <p:txBody>
-          <a:bodyPr/>
-          <a:lstStyle/>
-          <a:p>
-            <a:r>
-              <a:rPr kumimoji="1" lang="zh-CN" altLang="en-US" dirty="0" smtClean="0"/>
-              <a:t>实例二</a:t>
-            </a:r>
-            <a:endParaRPr kumimoji="1" lang="zh-CN" altLang="en-US" dirty="0"/>
-          </a:p>
-        </p:txBody>
-      </p:sp>
-      <p:sp>
-        <p:nvSpPr>
-          <p:cNvPr id="3" name="内容占位符 2"/>
-          <p:cNvSpPr>
-            <a:spLocks noGrp="1"/>
-          </p:cNvSpPr>
-          <p:nvPr>
-            <p:ph idx="1"/>
-          </p:nvPr>
-        </p:nvSpPr>
-        <p:spPr/>
-        <p:txBody>
-          <a:bodyPr/>
-          <a:lstStyle/>
-          <a:p>
-            <a:r>
-              <a:rPr kumimoji="1" lang="en-US" altLang="zh-CN" dirty="0" err="1" smtClean="0"/>
-              <a:t>AutoLayout</a:t>
-            </a:r>
-            <a:endParaRPr kumimoji="1" lang="zh-CN" altLang="en-US" dirty="0"/>
-          </a:p>
-        </p:txBody>
-      </p:sp>
+      <p:pic>
+        <p:nvPicPr>
+          <p:cNvPr id="7" name="图片 6"/>
+          <p:cNvPicPr>
+            <a:picLocks noChangeAspect="1"/>
+          </p:cNvPicPr>
+          <p:nvPr/>
+        </p:nvPicPr>
+        <p:blipFill>
+          <a:blip r:embed="rId2"/>
+          <a:stretch>
+            <a:fillRect/>
+          </a:stretch>
+        </p:blipFill>
+        <p:spPr>
+          <a:xfrm>
+            <a:off x="2612490" y="233463"/>
+            <a:ext cx="3522417" cy="6262075"/>
+          </a:xfrm>
+          <a:prstGeom prst="rect">
+            <a:avLst/>
+          </a:prstGeom>
+        </p:spPr>
+      </p:pic>
     </p:spTree>
     <p:extLst>
       <p:ext uri="{BB962C8B-B14F-4D97-AF65-F5344CB8AC3E}">
-        <p14:creationId xmlns:p14="http://schemas.microsoft.com/office/powerpoint/2010/main" val="2782929966"/>
+        <p14:creationId xmlns:p14="http://schemas.microsoft.com/office/powerpoint/2010/main" val="3808482277"/>
       </p:ext>
     </p:extLst>
   </p:cSld>
@@ -4437,7 +4297,19 @@
           <a:p>
             <a:r>
               <a:rPr kumimoji="1" lang="zh-CN" altLang="en-US" dirty="0" smtClean="0"/>
-              <a:t>实例三</a:t>
+              <a:t>实例二</a:t>
+            </a:r>
+            <a:r>
+              <a:rPr kumimoji="1" lang="zh-CN" altLang="en-US" dirty="0" smtClean="0"/>
+              <a:t>（</a:t>
+            </a:r>
+            <a:r>
+              <a:rPr kumimoji="1" lang="en-US" altLang="zh-CN" dirty="0" err="1" smtClean="0"/>
+              <a:t>AutoLayout</a:t>
+            </a:r>
+            <a:r>
+              <a:rPr kumimoji="1" lang="zh-CN" altLang="en-US" dirty="0" smtClean="0"/>
+              <a:t>）</a:t>
             </a:r>
             <a:endParaRPr kumimoji="1" lang="zh-CN" altLang="en-US" dirty="0"/>
           </a:p>
@@ -4455,87 +4327,303 @@
         </p:nvSpPr>
         <p:spPr/>
         <p:txBody>
-          <a:bodyPr/>
-          <a:lstStyle/>
-          <a:p>
-            <a:r>
-              <a:rPr kumimoji="1" lang="zh-CN" altLang="en-US" dirty="0" smtClean="0"/>
-              <a:t>点击隐藏键盘的方法</a:t>
+          <a:bodyPr>
+            <a:normAutofit fontScale="40000" lnSpcReduction="20000"/>
+          </a:bodyPr>
+          <a:lstStyle/>
+          <a:p>
+            <a:pPr marL="0" indent="0">
+              <a:buNone/>
+            </a:pPr>
+            <a:r>
+              <a:rPr kumimoji="1" lang="zh-CN" altLang="en-US" dirty="0" smtClean="0"/>
+              <a:t>步骤</a:t>
             </a:r>
             <a:endParaRPr kumimoji="1" lang="en-US" altLang="zh-CN" dirty="0" smtClean="0"/>
           </a:p>
           <a:p>
-            <a:r>
-              <a:rPr kumimoji="1" lang="zh-CN" altLang="zh-CN" dirty="0" smtClean="0"/>
-              <a:t>1</a:t>
-            </a:r>
-            <a:r>
-              <a:rPr kumimoji="1" lang="zh-CN" altLang="en-US" dirty="0" smtClean="0"/>
-              <a:t>、</a:t>
+            <a:pPr marL="514350" indent="-514350">
+              <a:buFont typeface="+mj-lt"/>
+              <a:buAutoNum type="arabicPeriod"/>
+            </a:pPr>
+            <a:r>
+              <a:rPr kumimoji="1" lang="zh-CN" altLang="en-US" dirty="0" smtClean="0"/>
+              <a:t>建立一个</a:t>
+            </a:r>
+            <a:r>
+              <a:rPr kumimoji="1" lang="en-US" altLang="zh-CN" dirty="0" err="1" smtClean="0"/>
+              <a:t>UITablviewCell</a:t>
+            </a:r>
+            <a:r>
+              <a:rPr kumimoji="1" lang="zh-CN" altLang="en-US" dirty="0" smtClean="0"/>
+              <a:t>的子类</a:t>
+            </a:r>
+            <a:r>
+              <a:rPr kumimoji="1" lang="en-US" altLang="zh-CN" dirty="0" err="1" smtClean="0"/>
+              <a:t>AutoLabelCell</a:t>
+            </a:r>
+            <a:endParaRPr kumimoji="1" lang="en-US" altLang="zh-CN" dirty="0" smtClean="0"/>
+          </a:p>
+          <a:p>
+            <a:pPr marL="514350" indent="-514350">
+              <a:buFont typeface="+mj-lt"/>
+              <a:buAutoNum type="arabicPeriod"/>
+            </a:pPr>
+            <a:r>
+              <a:rPr kumimoji="1" lang="zh-CN" altLang="en-US" dirty="0" smtClean="0"/>
+              <a:t>建立一个</a:t>
+            </a:r>
+            <a:r>
+              <a:rPr kumimoji="1" lang="en-US" altLang="zh-CN" dirty="0" err="1" smtClean="0"/>
+              <a:t>NSArray</a:t>
+            </a:r>
+            <a:r>
+              <a:rPr kumimoji="1" lang="zh-CN" altLang="en-US" dirty="0" smtClean="0"/>
+              <a:t>* </a:t>
+            </a:r>
+            <a:r>
+              <a:rPr kumimoji="1" lang="en-US" altLang="zh-CN" dirty="0" err="1" smtClean="0"/>
+              <a:t>arr</a:t>
             </a:r>
             <a:r>
               <a:rPr kumimoji="1" lang="en-US" altLang="zh-CN" dirty="0" smtClean="0"/>
-              <a:t>ios9</a:t>
-            </a:r>
-          </a:p>
-          <a:p>
-            <a:r>
-              <a:rPr kumimoji="1" lang="zh-CN" altLang="zh-CN" dirty="0" smtClean="0"/>
-              <a:t>2</a:t>
-            </a:r>
-            <a:r>
-              <a:rPr kumimoji="1" lang="zh-CN" altLang="en-US" dirty="0" smtClean="0"/>
-              <a:t>、</a:t>
-            </a:r>
-            <a:r>
-              <a:rPr kumimoji="1" lang="en-US" altLang="zh-CN" dirty="0" smtClean="0"/>
-              <a:t>gesture</a:t>
-            </a:r>
-            <a:r>
-              <a:rPr kumimoji="1" lang="zh-CN" altLang="en-US" dirty="0" smtClean="0"/>
-              <a:t>的方法</a:t>
+              <a:t> = </a:t>
+            </a:r>
+            <a:r>
+              <a:rPr lang="en-US" altLang="zh-CN" dirty="0" smtClean="0"/>
+              <a:t>[</a:t>
+            </a:r>
+            <a:r>
+              <a:rPr lang="en-US" altLang="zh-CN" dirty="0" err="1"/>
+              <a:t>NSArray</a:t>
+            </a:r>
+            <a:r>
+              <a:rPr lang="en-US" altLang="zh-CN" dirty="0"/>
+              <a:t> </a:t>
+            </a:r>
+            <a:r>
+              <a:rPr lang="en-US" altLang="zh-CN" dirty="0" err="1"/>
+              <a:t>arrayWithObjects</a:t>
+            </a:r>
+            <a:r>
+              <a:rPr lang="en-US" altLang="zh-CN" dirty="0"/>
+              <a:t>:@"Intrinsic Content </a:t>
+            </a:r>
+            <a:r>
+              <a:rPr lang="en-US" altLang="zh-CN" dirty="0" err="1"/>
+              <a:t>SizeThe</a:t>
+            </a:r>
+            <a:r>
+              <a:rPr lang="en-US" altLang="zh-CN" dirty="0"/>
+              <a:t> intrinsic content size is the size a view prefers to have for a specific content it displays. For example, </a:t>
+            </a:r>
+            <a:r>
+              <a:rPr lang="en-US" altLang="zh-CN" dirty="0" err="1"/>
+              <a:t>UILabel</a:t>
+            </a:r>
+            <a:r>
+              <a:rPr lang="en-US" altLang="zh-CN" dirty="0"/>
+              <a:t> has a preferred height based on the font, and a preferred width based on the font and the text it displays. A </a:t>
+            </a:r>
+            <a:r>
+              <a:rPr lang="en-US" altLang="zh-CN" dirty="0" err="1"/>
+              <a:t>UIProgressView</a:t>
+            </a:r>
+            <a:r>
+              <a:rPr lang="en-US" altLang="zh-CN" dirty="0"/>
+              <a:t> only has a preferred height based on its artwork, but no preferred width. A plain </a:t>
+            </a:r>
+            <a:r>
+              <a:rPr lang="en-US" altLang="zh-CN" dirty="0" err="1"/>
+              <a:t>UIView</a:t>
+            </a:r>
+            <a:r>
+              <a:rPr lang="en-US" altLang="zh-CN" dirty="0"/>
+              <a:t> has neither a preferred width nor a preferred </a:t>
+            </a:r>
+            <a:r>
+              <a:rPr lang="en-US" altLang="zh-CN" dirty="0" err="1"/>
+              <a:t>height.Compression</a:t>
+            </a:r>
+            <a:r>
+              <a:rPr lang="en-US" altLang="zh-CN" dirty="0"/>
+              <a:t> Resistance and Content </a:t>
+            </a:r>
+            <a:r>
+              <a:rPr lang="en-US" altLang="zh-CN" dirty="0" err="1"/>
+              <a:t>HuggingEach</a:t>
+            </a:r>
+            <a:r>
+              <a:rPr lang="en-US" altLang="zh-CN" dirty="0"/>
+              <a:t> view has content compression resistance priorities and content hugging priorities assigned for both dimensions. These properties only take effect for views which define an intrinsic content size, otherwise there is no content size defined that could resist compression or be </a:t>
+            </a:r>
+            <a:r>
+              <a:rPr lang="en-US" altLang="zh-CN" dirty="0" err="1"/>
+              <a:t>hugged.",@"Intrinsic</a:t>
+            </a:r>
+            <a:r>
+              <a:rPr lang="en-US" altLang="zh-CN" dirty="0"/>
+              <a:t> Content </a:t>
+            </a:r>
+            <a:r>
+              <a:rPr lang="en-US" altLang="zh-CN" dirty="0" err="1"/>
+              <a:t>SizeThe</a:t>
+            </a:r>
+            <a:r>
+              <a:rPr lang="en-US" altLang="zh-CN" dirty="0"/>
+              <a:t> intrinsic content size is the size a view prefers to have for a specific content it displays. For example, </a:t>
+            </a:r>
+            <a:r>
+              <a:rPr lang="en-US" altLang="zh-CN" dirty="0" err="1"/>
+              <a:t>UILabel</a:t>
+            </a:r>
+            <a:r>
+              <a:rPr lang="en-US" altLang="zh-CN" dirty="0"/>
+              <a:t> has a preferred height based on the font, and a preferred width based on the font and the text it displays. A </a:t>
+            </a:r>
+            <a:r>
+              <a:rPr lang="en-US" altLang="zh-CN" dirty="0" err="1"/>
+              <a:t>UIProgressView</a:t>
+            </a:r>
+            <a:r>
+              <a:rPr lang="en-US" altLang="zh-CN" dirty="0"/>
+              <a:t> only has a preferred height based on its artwork, but no preferred width. A plain </a:t>
+            </a:r>
+            <a:r>
+              <a:rPr lang="en-US" altLang="zh-CN" dirty="0" err="1"/>
+              <a:t>UIView</a:t>
+            </a:r>
+            <a:r>
+              <a:rPr lang="en-US" altLang="zh-CN" dirty="0"/>
+              <a:t> has neither a preferred width nor a preferred </a:t>
+            </a:r>
+            <a:r>
+              <a:rPr lang="en-US" altLang="zh-CN" dirty="0" err="1"/>
+              <a:t>height.Compression</a:t>
+            </a:r>
+            <a:r>
+              <a:rPr lang="en-US" altLang="zh-CN" dirty="0"/>
+              <a:t> Resistance and Content </a:t>
+            </a:r>
+            <a:r>
+              <a:rPr lang="en-US" altLang="zh-CN" dirty="0" err="1"/>
+              <a:t>HuggingEach</a:t>
+            </a:r>
+            <a:r>
+              <a:rPr lang="en-US" altLang="zh-CN" dirty="0"/>
+              <a:t> view has content compression resistance priorities and content hugging priorities assigned for both dimensions. These properties only take effect for views which define an intrinsic content size, otherwise there is no content size defined that could resist compression or be </a:t>
+            </a:r>
+            <a:r>
+              <a:rPr lang="en-US" altLang="zh-CN" dirty="0" err="1"/>
+              <a:t>hugged.",@"Intrinsic</a:t>
+            </a:r>
+            <a:r>
+              <a:rPr lang="en-US" altLang="zh-CN" dirty="0"/>
+              <a:t> Content </a:t>
+            </a:r>
+            <a:r>
+              <a:rPr lang="en-US" altLang="zh-CN" dirty="0" err="1"/>
+              <a:t>SizeThe</a:t>
+            </a:r>
+            <a:r>
+              <a:rPr lang="en-US" altLang="zh-CN" dirty="0"/>
+              <a:t> intrinsic content size is the size a view prefers to have for a specific content it displays. For example, </a:t>
+            </a:r>
+            <a:r>
+              <a:rPr lang="en-US" altLang="zh-CN" dirty="0" err="1"/>
+              <a:t>UILabel</a:t>
+            </a:r>
+            <a:r>
+              <a:rPr lang="en-US" altLang="zh-CN" dirty="0"/>
+              <a:t> has a preferred height based on the font, and a preferred width based on the font and the text it displays. A </a:t>
+            </a:r>
+            <a:r>
+              <a:rPr lang="en-US" altLang="zh-CN" dirty="0" err="1"/>
+              <a:t>UIProgressView</a:t>
+            </a:r>
+            <a:r>
+              <a:rPr lang="en-US" altLang="zh-CN" dirty="0"/>
+              <a:t> only has a preferred height based on its artwork, but no preferred width. A plain </a:t>
+            </a:r>
+            <a:r>
+              <a:rPr lang="en-US" altLang="zh-CN" dirty="0" err="1"/>
+              <a:t>UIView</a:t>
+            </a:r>
+            <a:r>
+              <a:rPr lang="en-US" altLang="zh-CN" dirty="0"/>
+              <a:t> has neither a preferred width nor a preferred </a:t>
+            </a:r>
+            <a:r>
+              <a:rPr lang="en-US" altLang="zh-CN" dirty="0" err="1"/>
+              <a:t>height.Compression</a:t>
+            </a:r>
+            <a:r>
+              <a:rPr lang="en-US" altLang="zh-CN" dirty="0"/>
+              <a:t> Resistance and Content </a:t>
+            </a:r>
+            <a:r>
+              <a:rPr lang="en-US" altLang="zh-CN" dirty="0" err="1"/>
+              <a:t>HuggingEach</a:t>
+            </a:r>
+            <a:r>
+              <a:rPr lang="en-US" altLang="zh-CN" dirty="0"/>
+              <a:t> view has content compression resistance priorities and content hugging priorities assigned for both dimensions. These properties only take effect for views which define an intrinsic content size, otherwise there is no content size defined that could resist compression or be hugged.", nil</a:t>
+            </a:r>
+            <a:r>
+              <a:rPr lang="en-US" altLang="zh-CN" dirty="0" smtClean="0"/>
+              <a:t>]</a:t>
+            </a:r>
+          </a:p>
+          <a:p>
+            <a:pPr marL="514350" indent="-514350">
+              <a:buFont typeface="+mj-lt"/>
+              <a:buAutoNum type="arabicPeriod"/>
+            </a:pPr>
+            <a:r>
+              <a:rPr kumimoji="1" lang="zh-CN" altLang="en-US" dirty="0" smtClean="0"/>
+              <a:t>把这个</a:t>
+            </a:r>
+            <a:r>
+              <a:rPr kumimoji="1" lang="en-US" altLang="zh-CN" dirty="0" err="1" smtClean="0"/>
+              <a:t>arr</a:t>
+            </a:r>
+            <a:r>
+              <a:rPr kumimoji="1" lang="zh-CN" altLang="en-US" dirty="0" smtClean="0"/>
+              <a:t>的内容装载到</a:t>
+            </a:r>
+            <a:r>
+              <a:rPr kumimoji="1" lang="en-US" altLang="zh-CN" dirty="0" err="1" smtClean="0"/>
+              <a:t>AutoLabelCell</a:t>
+            </a:r>
+            <a:r>
+              <a:rPr kumimoji="1" lang="zh-CN" altLang="en-US" dirty="0" smtClean="0"/>
+              <a:t>上</a:t>
             </a:r>
             <a:endParaRPr kumimoji="1" lang="en-US" altLang="zh-CN" dirty="0" smtClean="0"/>
           </a:p>
           <a:p>
-            <a:r>
-              <a:rPr kumimoji="1" lang="zh-CN" altLang="zh-CN" dirty="0" smtClean="0"/>
-              <a:t>3</a:t>
-            </a:r>
-            <a:r>
-              <a:rPr kumimoji="1" lang="zh-CN" altLang="en-US" dirty="0" smtClean="0"/>
-              <a:t>、拓展：自定义</a:t>
+            <a:pPr marL="0" indent="0">
+              <a:buNone/>
+            </a:pPr>
+            <a:r>
+              <a:rPr kumimoji="1" lang="zh-CN" altLang="en-US" dirty="0" smtClean="0"/>
+              <a:t>技术提示：</a:t>
             </a:r>
             <a:r>
               <a:rPr kumimoji="1" lang="en-US" altLang="zh-CN" dirty="0" err="1" smtClean="0"/>
-              <a:t>UIView</a:t>
-            </a:r>
-            <a:r>
-              <a:rPr kumimoji="1" lang="zh-CN" altLang="en-US" dirty="0" smtClean="0"/>
-              <a:t>加到键盘上</a:t>
-            </a:r>
-            <a:endParaRPr kumimoji="1" lang="en-US" altLang="zh-CN" dirty="0" smtClean="0"/>
-          </a:p>
-          <a:p>
-            <a:r>
-              <a:rPr kumimoji="1" lang="en-US" altLang="zh-CN" dirty="0" smtClean="0"/>
-              <a:t>4</a:t>
-            </a:r>
-            <a:r>
-              <a:rPr kumimoji="1" lang="zh-CN" altLang="en-US" dirty="0" smtClean="0"/>
-              <a:t>、</a:t>
-            </a:r>
-            <a:r>
-              <a:rPr kumimoji="1" lang="en-US" altLang="zh-CN" dirty="0" smtClean="0"/>
-              <a:t>http://</a:t>
+              <a:t>autoLabelCell</a:t>
+            </a:r>
+            <a:r>
+              <a:rPr kumimoji="1" lang="zh-CN" altLang="en-US" dirty="0" smtClean="0"/>
+              <a:t>需要使用</a:t>
             </a:r>
             <a:r>
               <a:rPr kumimoji="1" lang="en-US" altLang="zh-CN" dirty="0" err="1" smtClean="0"/>
-              <a:t>www.gowhich.com</a:t>
-            </a:r>
-            <a:r>
-              <a:rPr kumimoji="1" lang="en-US" altLang="zh-CN" smtClean="0"/>
-              <a:t>/blog/516</a:t>
+              <a:t>autoLayout</a:t>
+            </a:r>
+            <a:r>
+              <a:rPr kumimoji="1" lang="zh-CN" altLang="en-US" dirty="0" smtClean="0"/>
+              <a:t>来布局</a:t>
             </a:r>
             <a:endParaRPr kumimoji="1" lang="zh-CN" altLang="en-US" dirty="0"/>
           </a:p>
@@ -4544,7 +4632,7 @@
     </p:spTree>
     <p:extLst>
       <p:ext uri="{BB962C8B-B14F-4D97-AF65-F5344CB8AC3E}">
-        <p14:creationId xmlns:p14="http://schemas.microsoft.com/office/powerpoint/2010/main" val="3359439704"/>
+        <p14:creationId xmlns:p14="http://schemas.microsoft.com/office/powerpoint/2010/main" val="2782929966"/>
       </p:ext>
     </p:extLst>
   </p:cSld>
